--- a/Class 5_Data Types in Java -.pptx
+++ b/Class 5_Data Types in Java -.pptx
@@ -443,7 +443,7 @@
   <pc:docChgLst>
     <pc:chgData name="Saurabh Kandhway" userId="c233f9120327db61" providerId="LiveId" clId="{BBF8A651-6C7F-471B-97FC-D283E8279735}"/>
     <pc:docChg chg="undo custSel modSld">
-      <pc:chgData name="Saurabh Kandhway" userId="c233f9120327db61" providerId="LiveId" clId="{BBF8A651-6C7F-471B-97FC-D283E8279735}" dt="2024-04-16T03:00:58.581" v="6" actId="1076"/>
+      <pc:chgData name="Saurabh Kandhway" userId="c233f9120327db61" providerId="LiveId" clId="{BBF8A651-6C7F-471B-97FC-D283E8279735}" dt="2024-04-19T15:19:27.578" v="10" actId="20577"/>
       <pc:docMkLst>
         <pc:docMk/>
       </pc:docMkLst>
@@ -463,13 +463,13 @@
         </pc:spChg>
       </pc:sldChg>
       <pc:sldChg chg="modSp mod">
-        <pc:chgData name="Saurabh Kandhway" userId="c233f9120327db61" providerId="LiveId" clId="{BBF8A651-6C7F-471B-97FC-D283E8279735}" dt="2024-04-16T02:53:12.391" v="4"/>
+        <pc:chgData name="Saurabh Kandhway" userId="c233f9120327db61" providerId="LiveId" clId="{BBF8A651-6C7F-471B-97FC-D283E8279735}" dt="2024-04-19T15:19:27.578" v="10" actId="20577"/>
         <pc:sldMkLst>
           <pc:docMk/>
           <pc:sldMk cId="216151952" sldId="263"/>
         </pc:sldMkLst>
         <pc:spChg chg="mod">
-          <ac:chgData name="Saurabh Kandhway" userId="c233f9120327db61" providerId="LiveId" clId="{BBF8A651-6C7F-471B-97FC-D283E8279735}" dt="2024-04-16T02:53:12.391" v="4"/>
+          <ac:chgData name="Saurabh Kandhway" userId="c233f9120327db61" providerId="LiveId" clId="{BBF8A651-6C7F-471B-97FC-D283E8279735}" dt="2024-04-19T15:19:27.578" v="10" actId="20577"/>
           <ac:spMkLst>
             <pc:docMk/>
             <pc:sldMk cId="216151952" sldId="263"/>
@@ -9298,7 +9298,7 @@
           <a:p>
             <a:fld id="{E998DB98-49BE-4F75-8810-9A39763F2F8F}" type="datetimeFigureOut">
               <a:rPr lang="en-IN" smtClean="0"/>
-              <a:t>16-04-2024</a:t>
+              <a:t>19-04-2024</a:t>
             </a:fld>
             <a:endParaRPr lang="en-IN"/>
           </a:p>
@@ -9505,7 +9505,7 @@
           <a:p>
             <a:fld id="{E998DB98-49BE-4F75-8810-9A39763F2F8F}" type="datetimeFigureOut">
               <a:rPr lang="en-IN" smtClean="0"/>
-              <a:t>16-04-2024</a:t>
+              <a:t>19-04-2024</a:t>
             </a:fld>
             <a:endParaRPr lang="en-IN"/>
           </a:p>
@@ -9685,7 +9685,7 @@
           <a:p>
             <a:fld id="{E998DB98-49BE-4F75-8810-9A39763F2F8F}" type="datetimeFigureOut">
               <a:rPr lang="en-IN" smtClean="0"/>
-              <a:t>16-04-2024</a:t>
+              <a:t>19-04-2024</a:t>
             </a:fld>
             <a:endParaRPr lang="en-IN"/>
           </a:p>
@@ -9890,7 +9890,7 @@
           <a:p>
             <a:fld id="{E998DB98-49BE-4F75-8810-9A39763F2F8F}" type="datetimeFigureOut">
               <a:rPr lang="en-IN" smtClean="0"/>
-              <a:t>16-04-2024</a:t>
+              <a:t>19-04-2024</a:t>
             </a:fld>
             <a:endParaRPr lang="en-IN"/>
           </a:p>
@@ -18788,7 +18788,7 @@
           <a:p>
             <a:fld id="{E998DB98-49BE-4F75-8810-9A39763F2F8F}" type="datetimeFigureOut">
               <a:rPr lang="en-IN" smtClean="0"/>
-              <a:t>16-04-2024</a:t>
+              <a:t>19-04-2024</a:t>
             </a:fld>
             <a:endParaRPr lang="en-IN"/>
           </a:p>
@@ -19062,7 +19062,7 @@
           <a:p>
             <a:fld id="{E998DB98-49BE-4F75-8810-9A39763F2F8F}" type="datetimeFigureOut">
               <a:rPr lang="en-IN" smtClean="0"/>
-              <a:t>16-04-2024</a:t>
+              <a:t>19-04-2024</a:t>
             </a:fld>
             <a:endParaRPr lang="en-IN"/>
           </a:p>
@@ -19460,7 +19460,7 @@
           <a:p>
             <a:fld id="{E998DB98-49BE-4F75-8810-9A39763F2F8F}" type="datetimeFigureOut">
               <a:rPr lang="en-IN" smtClean="0"/>
-              <a:t>16-04-2024</a:t>
+              <a:t>19-04-2024</a:t>
             </a:fld>
             <a:endParaRPr lang="en-IN"/>
           </a:p>
@@ -19578,7 +19578,7 @@
           <a:p>
             <a:fld id="{E998DB98-49BE-4F75-8810-9A39763F2F8F}" type="datetimeFigureOut">
               <a:rPr lang="en-IN" smtClean="0"/>
-              <a:t>16-04-2024</a:t>
+              <a:t>19-04-2024</a:t>
             </a:fld>
             <a:endParaRPr lang="en-IN"/>
           </a:p>
@@ -19673,7 +19673,7 @@
           <a:p>
             <a:fld id="{E998DB98-49BE-4F75-8810-9A39763F2F8F}" type="datetimeFigureOut">
               <a:rPr lang="en-IN" smtClean="0"/>
-              <a:t>16-04-2024</a:t>
+              <a:t>19-04-2024</a:t>
             </a:fld>
             <a:endParaRPr lang="en-IN"/>
           </a:p>
@@ -19963,7 +19963,7 @@
           <a:p>
             <a:fld id="{E998DB98-49BE-4F75-8810-9A39763F2F8F}" type="datetimeFigureOut">
               <a:rPr lang="en-IN" smtClean="0"/>
-              <a:t>16-04-2024</a:t>
+              <a:t>19-04-2024</a:t>
             </a:fld>
             <a:endParaRPr lang="en-IN"/>
           </a:p>
@@ -20243,7 +20243,7 @@
           <a:p>
             <a:fld id="{E998DB98-49BE-4F75-8810-9A39763F2F8F}" type="datetimeFigureOut">
               <a:rPr lang="en-IN" smtClean="0"/>
-              <a:t>16-04-2024</a:t>
+              <a:t>19-04-2024</a:t>
             </a:fld>
             <a:endParaRPr lang="en-IN"/>
           </a:p>
@@ -20493,7 +20493,7 @@
           <a:p>
             <a:fld id="{E998DB98-49BE-4F75-8810-9A39763F2F8F}" type="datetimeFigureOut">
               <a:rPr lang="en-IN" smtClean="0"/>
-              <a:t>16-04-2024</a:t>
+              <a:t>19-04-2024</a:t>
             </a:fld>
             <a:endParaRPr lang="en-IN"/>
           </a:p>
@@ -22205,9 +22205,18 @@
               <a:buNone/>
             </a:pPr>
             <a:r>
+              <a:rPr lang="en-US"/>
+              <a:t>-2^15 </a:t>
+            </a:r>
+            <a:r>
               <a:rPr lang="en-US" dirty="0"/>
-              <a:t>-2^16 to +2^16-1</a:t>
+              <a:t>to </a:t>
             </a:r>
+            <a:r>
+              <a:rPr lang="en-US"/>
+              <a:t>+2^15-1</a:t>
+            </a:r>
+            <a:endParaRPr lang="en-US" dirty="0"/>
           </a:p>
           <a:p>
             <a:endParaRPr lang="en-IN" dirty="0"/>
